--- a/Alunos/Interação Humana Computador/1 - Slides/Trabalho 1 - IHC.pptx
+++ b/Alunos/Interação Humana Computador/1 - Slides/Trabalho 1 - IHC.pptx
@@ -7803,13 +7803,13 @@
           <a:p>
             <a:r>
               <a:rPr lang="pt-BR" dirty="0"/>
-              <a:t>50% da nota final</a:t>
+              <a:t>25% da nota final</a:t>
             </a:r>
           </a:p>
           <a:p>
             <a:r>
               <a:rPr lang="pt-BR" dirty="0"/>
-              <a:t>Entrega: 26 de Maio</a:t>
+              <a:t>Entrega: 26 de Abril</a:t>
             </a:r>
           </a:p>
         </p:txBody>
@@ -7906,7 +7906,7 @@
           <a:p>
             <a:r>
               <a:rPr lang="pt-BR" sz="2800" dirty="0"/>
-              <a:t>Obrigatórias.</a:t>
+              <a:t>Obrigatórias:</a:t>
             </a:r>
           </a:p>
           <a:p>
@@ -8087,7 +8087,7 @@
           <a:p>
             <a:r>
               <a:rPr lang="pt-BR" sz="2800" dirty="0"/>
-              <a:t>Dividir funcionalidades das operações do usuário através do login.</a:t>
+              <a:t>Dividir funcionalidades das operações do usuário através do login:</a:t>
             </a:r>
           </a:p>
           <a:p>
@@ -8194,7 +8194,7 @@
           <a:p>
             <a:r>
               <a:rPr lang="pt-BR" dirty="0"/>
-              <a:t>Definições do App.</a:t>
+              <a:t>Definições do App:</a:t>
             </a:r>
           </a:p>
           <a:p>
@@ -8246,7 +8246,7 @@
           <a:p>
             <a:r>
               <a:rPr lang="pt-BR" dirty="0"/>
-              <a:t>Paleta de Cor para o App.</a:t>
+              <a:t>Paleta de Cor para o App:</a:t>
             </a:r>
           </a:p>
           <a:p>
@@ -8284,7 +8284,7 @@
           <a:p>
             <a:r>
               <a:rPr lang="pt-BR" dirty="0"/>
-              <a:t>Pedido pronto em 7 toques (ou menos).</a:t>
+              <a:t>Pedido pronto em 7 toques (ou menos):</a:t>
             </a:r>
           </a:p>
           <a:p>
@@ -8465,7 +8465,15 @@
             <a:pPr lvl="1"/>
             <a:r>
               <a:rPr lang="pt-BR" dirty="0"/>
-              <a:t>Documentação da parte visual -&gt; </a:t>
+              <a:t>Documentação da parte visual (</a:t>
+            </a:r>
+            <a:r>
+              <a:rPr lang="pt-BR" dirty="0" err="1"/>
+              <a:t>pdf</a:t>
+            </a:r>
+            <a:r>
+              <a:rPr lang="pt-BR" dirty="0"/>
+              <a:t>) -&gt; </a:t>
             </a:r>
             <a:r>
               <a:rPr lang="pt-BR" b="1" dirty="0"/>
